--- a/barcampdelhi-winter-30Nov2013/Introduction to AngularJS.pptx
+++ b/barcampdelhi-winter-30Nov2013/Introduction to AngularJS.pptx
@@ -5,7 +5,7 @@
     <p:sldMasterId id="2147483648" r:id="rId1"/>
   </p:sldMasterIdLst>
   <p:notesMasterIdLst>
-    <p:notesMasterId r:id="rId17"/>
+    <p:notesMasterId r:id="rId18"/>
   </p:notesMasterIdLst>
   <p:sldIdLst>
     <p:sldId id="256" r:id="rId2"/>
@@ -22,7 +22,8 @@
     <p:sldId id="267" r:id="rId13"/>
     <p:sldId id="268" r:id="rId14"/>
     <p:sldId id="270" r:id="rId15"/>
-    <p:sldId id="269" r:id="rId16"/>
+    <p:sldId id="271" r:id="rId16"/>
+    <p:sldId id="272" r:id="rId17"/>
   </p:sldIdLst>
   <p:sldSz cx="9144000" cy="6858000" type="screen4x3"/>
   <p:notesSz cx="6858000" cy="9144000"/>
@@ -8342,7 +8343,7 @@
           <a:p>
             <a:r>
               <a:rPr lang="en-US" dirty="0" smtClean="0"/>
-              <a:t>Define a Service</a:t>
+              <a:t>Defining a Service</a:t>
             </a:r>
             <a:endParaRPr lang="en-US" dirty="0"/>
           </a:p>
@@ -10110,7 +10111,102 @@
           <a:bodyPr/>
           <a:lstStyle/>
           <a:p>
-            <a:endParaRPr lang="en-US"/>
+            <a:r>
+              <a:rPr lang="en-US" dirty="0" smtClean="0"/>
+              <a:t>Directive</a:t>
+            </a:r>
+            <a:endParaRPr lang="en-US" dirty="0"/>
+          </a:p>
+        </p:txBody>
+      </p:sp>
+      <p:sp>
+        <p:nvSpPr>
+          <p:cNvPr id="3" name="Content Placeholder 2"/>
+          <p:cNvSpPr>
+            <a:spLocks noGrp="1"/>
+          </p:cNvSpPr>
+          <p:nvPr>
+            <p:ph idx="1"/>
+          </p:nvPr>
+        </p:nvSpPr>
+        <p:spPr/>
+        <p:txBody>
+          <a:bodyPr/>
+          <a:lstStyle/>
+          <a:p>
+            <a:r>
+              <a:rPr lang="en-US" dirty="0" smtClean="0"/>
+              <a:t>Attributes to extend html</a:t>
+            </a:r>
+          </a:p>
+          <a:p>
+            <a:r>
+              <a:rPr lang="en-US" dirty="0"/>
+              <a:t>Declarative programming</a:t>
+            </a:r>
+            <a:endParaRPr lang="en-US" dirty="0" smtClean="0"/>
+          </a:p>
+          <a:p>
+            <a:r>
+              <a:rPr lang="en-US" dirty="0" smtClean="0"/>
+              <a:t>Shared UI Code</a:t>
+            </a:r>
+          </a:p>
+          <a:p>
+            <a:r>
+              <a:rPr lang="en-US" dirty="0" smtClean="0"/>
+              <a:t>Few </a:t>
+            </a:r>
+            <a:r>
+              <a:rPr lang="en-US" dirty="0" err="1" smtClean="0"/>
+              <a:t>builtin</a:t>
+            </a:r>
+            <a:r>
+              <a:rPr lang="en-US" dirty="0" smtClean="0"/>
+              <a:t> directives</a:t>
+            </a:r>
+          </a:p>
+          <a:p>
+            <a:pPr lvl="1"/>
+            <a:r>
+              <a:rPr lang="en-US" dirty="0" err="1" smtClean="0"/>
+              <a:t>ng</a:t>
+            </a:r>
+            <a:r>
+              <a:rPr lang="en-US" dirty="0" smtClean="0"/>
+              <a:t>-app</a:t>
+            </a:r>
+          </a:p>
+          <a:p>
+            <a:pPr lvl="1"/>
+            <a:r>
+              <a:rPr lang="en-US" dirty="0" err="1" smtClean="0"/>
+              <a:t>ng</a:t>
+            </a:r>
+            <a:r>
+              <a:rPr lang="en-US" dirty="0" smtClean="0"/>
+              <a:t>-controller</a:t>
+            </a:r>
+          </a:p>
+          <a:p>
+            <a:pPr lvl="1"/>
+            <a:r>
+              <a:rPr lang="en-US" dirty="0" err="1" smtClean="0"/>
+              <a:t>ng-init</a:t>
+            </a:r>
+            <a:endParaRPr lang="en-US" dirty="0" smtClean="0"/>
+          </a:p>
+          <a:p>
+            <a:pPr lvl="1"/>
+            <a:r>
+              <a:rPr lang="en-US" dirty="0" err="1" smtClean="0"/>
+              <a:t>ng</a:t>
+            </a:r>
+            <a:r>
+              <a:rPr lang="en-US" dirty="0" smtClean="0"/>
+              <a:t>-model</a:t>
+            </a:r>
+            <a:endParaRPr lang="en-US" dirty="0"/>
           </a:p>
         </p:txBody>
       </p:sp>
@@ -10140,7 +10236,102 @@
     </p:spTree>
     <p:extLst>
       <p:ext uri="{BB962C8B-B14F-4D97-AF65-F5344CB8AC3E}">
-        <p14:creationId xmlns:p14="http://schemas.microsoft.com/office/powerpoint/2010/main" val="3188115064"/>
+        <p14:creationId xmlns:p14="http://schemas.microsoft.com/office/powerpoint/2010/main" val="777899653"/>
+      </p:ext>
+    </p:extLst>
+  </p:cSld>
+  <p:clrMapOvr>
+    <a:masterClrMapping/>
+  </p:clrMapOvr>
+</p:sld>
+</file>
+
+<file path=ppt/slides/slide16.xml><?xml version="1.0" encoding="utf-8"?>
+<p:sld xmlns:a="http://schemas.openxmlformats.org/drawingml/2006/main" xmlns:r="http://schemas.openxmlformats.org/officeDocument/2006/relationships" xmlns:p="http://schemas.openxmlformats.org/presentationml/2006/main">
+  <p:cSld>
+    <p:spTree>
+      <p:nvGrpSpPr>
+        <p:cNvPr id="1" name=""/>
+        <p:cNvGrpSpPr/>
+        <p:nvPr/>
+      </p:nvGrpSpPr>
+      <p:grpSpPr>
+        <a:xfrm>
+          <a:off x="0" y="0"/>
+          <a:ext cx="0" cy="0"/>
+          <a:chOff x="0" y="0"/>
+          <a:chExt cx="0" cy="0"/>
+        </a:xfrm>
+      </p:grpSpPr>
+      <p:sp>
+        <p:nvSpPr>
+          <p:cNvPr id="2" name="Title 1"/>
+          <p:cNvSpPr>
+            <a:spLocks noGrp="1"/>
+          </p:cNvSpPr>
+          <p:nvPr>
+            <p:ph type="title"/>
+          </p:nvPr>
+        </p:nvSpPr>
+        <p:spPr/>
+        <p:txBody>
+          <a:bodyPr/>
+          <a:lstStyle/>
+          <a:p>
+            <a:r>
+              <a:rPr lang="en-US" dirty="0" smtClean="0"/>
+              <a:t>Custom Directive</a:t>
+            </a:r>
+            <a:endParaRPr lang="en-US" dirty="0"/>
+          </a:p>
+        </p:txBody>
+      </p:sp>
+      <p:sp>
+        <p:nvSpPr>
+          <p:cNvPr id="3" name="Content Placeholder 2"/>
+          <p:cNvSpPr>
+            <a:spLocks noGrp="1"/>
+          </p:cNvSpPr>
+          <p:nvPr>
+            <p:ph idx="1"/>
+          </p:nvPr>
+        </p:nvSpPr>
+        <p:spPr/>
+        <p:txBody>
+          <a:bodyPr/>
+          <a:lstStyle/>
+          <a:p>
+            <a:endParaRPr lang="en-US" dirty="0"/>
+          </a:p>
+        </p:txBody>
+      </p:sp>
+      <p:sp>
+        <p:nvSpPr>
+          <p:cNvPr id="4" name="Footer Placeholder 3"/>
+          <p:cNvSpPr>
+            <a:spLocks noGrp="1"/>
+          </p:cNvSpPr>
+          <p:nvPr>
+            <p:ph type="ftr" sz="quarter" idx="11"/>
+          </p:nvPr>
+        </p:nvSpPr>
+        <p:spPr/>
+        <p:txBody>
+          <a:bodyPr/>
+          <a:lstStyle/>
+          <a:p>
+            <a:r>
+              <a:rPr lang="en-IE" smtClean="0"/>
+              <a:t>© Target Integration Ltd</a:t>
+            </a:r>
+            <a:endParaRPr lang="en-IE"/>
+          </a:p>
+        </p:txBody>
+      </p:sp>
+    </p:spTree>
+    <p:extLst>
+      <p:ext uri="{BB962C8B-B14F-4D97-AF65-F5344CB8AC3E}">
+        <p14:creationId xmlns:p14="http://schemas.microsoft.com/office/powerpoint/2010/main" val="1580141873"/>
       </p:ext>
     </p:extLst>
   </p:cSld>
@@ -10377,7 +10568,7 @@
         <p:spPr/>
         <p:txBody>
           <a:bodyPr>
-            <a:normAutofit fontScale="92500" lnSpcReduction="10000"/>
+            <a:normAutofit lnSpcReduction="10000"/>
           </a:bodyPr>
           <a:lstStyle/>
           <a:p>
@@ -10414,15 +10605,10 @@
           </a:p>
           <a:p>
             <a:r>
-              <a:rPr lang="en-US" dirty="0"/>
-              <a:t>Scope</a:t>
-            </a:r>
-          </a:p>
-          <a:p>
-            <a:r>
-              <a:rPr lang="en-US" dirty="0"/>
+              <a:rPr lang="en-US" dirty="0" smtClean="0"/>
               <a:t>Directives</a:t>
             </a:r>
+            <a:endParaRPr lang="en-US" dirty="0"/>
           </a:p>
           <a:p>
             <a:r>
@@ -10432,9 +10618,18 @@
           </a:p>
           <a:p>
             <a:r>
-              <a:rPr lang="en-US" dirty="0"/>
+              <a:rPr lang="en-US" dirty="0" smtClean="0"/>
               <a:t>Expressions</a:t>
             </a:r>
+          </a:p>
+          <a:p>
+            <a:r>
+              <a:rPr lang="en-US" dirty="0" smtClean="0"/>
+              <a:t>Scope</a:t>
+            </a:r>
+          </a:p>
+          <a:p>
+            <a:endParaRPr lang="en-US" dirty="0"/>
           </a:p>
           <a:p>
             <a:endParaRPr lang="en-US" dirty="0"/>

--- a/barcampdelhi-winter-30Nov2013/Introduction to AngularJS.pptx
+++ b/barcampdelhi-winter-30Nov2013/Introduction to AngularJS.pptx
@@ -224,7 +224,7 @@
             <a:fld id="{F3A46A5F-9F03-4641-9E5C-A01703DF2ED1}" type="datetimeFigureOut">
               <a:rPr lang="en-US" smtClean="0"/>
               <a:pPr/>
-              <a:t>11/28/2013</a:t>
+              <a:t>11/29/2013</a:t>
             </a:fld>
             <a:endParaRPr lang="en-IE"/>
           </a:p>
@@ -1310,7 +1310,7 @@
             <a:fld id="{E23A3FA4-AC9E-45A9-84BA-BBE1A990C350}" type="datetime1">
               <a:rPr lang="en-US" smtClean="0"/>
               <a:pPr/>
-              <a:t>11/28/2013</a:t>
+              <a:t>11/29/2013</a:t>
             </a:fld>
             <a:endParaRPr lang="en-IE"/>
           </a:p>
@@ -1887,7 +1887,7 @@
             <a:fld id="{DA1896EC-7087-4E7B-A6FC-8EC060D027F6}" type="datetime1">
               <a:rPr lang="en-US" smtClean="0"/>
               <a:pPr/>
-              <a:t>11/28/2013</a:t>
+              <a:t>11/29/2013</a:t>
             </a:fld>
             <a:endParaRPr lang="en-IE"/>
           </a:p>
@@ -2068,7 +2068,7 @@
             <a:fld id="{07341F75-6EC8-461F-B0E0-55FD56380DBC}" type="datetime1">
               <a:rPr lang="en-US" smtClean="0"/>
               <a:pPr/>
-              <a:t>11/28/2013</a:t>
+              <a:t>11/29/2013</a:t>
             </a:fld>
             <a:endParaRPr lang="en-IE"/>
           </a:p>
@@ -2355,7 +2355,7 @@
             <a:fld id="{93FA9B50-EEFB-47B3-A053-C4BE00C8F90E}" type="datetime1">
               <a:rPr lang="en-US" smtClean="0"/>
               <a:pPr/>
-              <a:t>11/28/2013</a:t>
+              <a:t>11/29/2013</a:t>
             </a:fld>
             <a:endParaRPr lang="en-IE"/>
           </a:p>
@@ -2604,7 +2604,7 @@
             <a:fld id="{CC3BE8A9-7123-43BC-8334-7BAE76031E86}" type="datetime1">
               <a:rPr lang="en-US" smtClean="0"/>
               <a:pPr/>
-              <a:t>11/28/2013</a:t>
+              <a:t>11/29/2013</a:t>
             </a:fld>
             <a:endParaRPr lang="en-IE"/>
           </a:p>
@@ -2893,7 +2893,7 @@
             <a:fld id="{D5FEC286-91E3-4692-8E52-A2FDFEBA5396}" type="datetime1">
               <a:rPr lang="en-US" smtClean="0"/>
               <a:pPr/>
-              <a:t>11/28/2013</a:t>
+              <a:t>11/29/2013</a:t>
             </a:fld>
             <a:endParaRPr lang="en-IE"/>
           </a:p>
@@ -3320,7 +3320,7 @@
             <a:fld id="{D05DAFA7-3B30-4C12-8B72-3F76AFDB1E3E}" type="datetime1">
               <a:rPr lang="en-US" smtClean="0"/>
               <a:pPr/>
-              <a:t>11/28/2013</a:t>
+              <a:t>11/29/2013</a:t>
             </a:fld>
             <a:endParaRPr lang="en-IE"/>
           </a:p>
@@ -3439,7 +3439,7 @@
             <a:fld id="{057AA9FA-586D-4ABE-912E-9F34CA985ADD}" type="datetime1">
               <a:rPr lang="en-US" smtClean="0"/>
               <a:pPr/>
-              <a:t>11/28/2013</a:t>
+              <a:t>11/29/2013</a:t>
             </a:fld>
             <a:endParaRPr lang="en-IE"/>
           </a:p>
@@ -3535,7 +3535,7 @@
             <a:fld id="{2F50B41A-318B-4B83-B26E-3A5334A266F4}" type="datetime1">
               <a:rPr lang="en-US" smtClean="0"/>
               <a:pPr/>
-              <a:t>11/28/2013</a:t>
+              <a:t>11/29/2013</a:t>
             </a:fld>
             <a:endParaRPr lang="en-IE"/>
           </a:p>
@@ -3813,7 +3813,7 @@
             <a:fld id="{BA9480F6-C58E-4A62-A940-22227C1A9A06}" type="datetime1">
               <a:rPr lang="en-US" smtClean="0"/>
               <a:pPr/>
-              <a:t>11/28/2013</a:t>
+              <a:t>11/29/2013</a:t>
             </a:fld>
             <a:endParaRPr lang="en-IE"/>
           </a:p>
@@ -4071,7 +4071,7 @@
             <a:fld id="{73B0C037-19D6-4270-A7C2-6901AF16D548}" type="datetime1">
               <a:rPr lang="en-US" smtClean="0"/>
               <a:pPr/>
-              <a:t>11/28/2013</a:t>
+              <a:t>11/29/2013</a:t>
             </a:fld>
             <a:endParaRPr lang="en-IE"/>
           </a:p>
@@ -4353,7 +4353,7 @@
             <a:fld id="{C2BE89E4-3D1D-44C4-A13F-3DED64457594}" type="datetime1">
               <a:rPr lang="en-US" smtClean="0"/>
               <a:pPr/>
-              <a:t>11/28/2013</a:t>
+              <a:t>11/29/2013</a:t>
             </a:fld>
             <a:endParaRPr lang="en-IE"/>
           </a:p>
@@ -4801,7 +4801,7 @@
           <a:bodyPr/>
           <a:lstStyle/>
           <a:p>
-            <a:endParaRPr lang="en-IE"/>
+            <a:endParaRPr lang="en-IE" dirty="0"/>
           </a:p>
         </p:txBody>
       </p:sp>
@@ -4817,8 +4817,8 @@
         </p:nvSpPr>
         <p:spPr>
           <a:xfrm>
-            <a:off x="5646440" y="5572140"/>
-            <a:ext cx="3140385" cy="1143008"/>
+            <a:off x="5181600" y="5572140"/>
+            <a:ext cx="3605225" cy="1143008"/>
           </a:xfrm>
         </p:spPr>
         <p:txBody>
@@ -4830,35 +4830,53 @@
               <a:t>Mohit </a:t>
             </a:r>
             <a:r>
+              <a:rPr lang="en-IE" dirty="0"/>
+              <a:t>Thakral </a:t>
+            </a:r>
+            <a:r>
               <a:rPr lang="en-IE" dirty="0" smtClean="0"/>
-              <a:t>Thakral</a:t>
-            </a:r>
+              <a:t>(t: </a:t>
+            </a:r>
+            <a:r>
+              <a:rPr lang="en-IE" dirty="0"/>
+              <a:t>@</a:t>
+            </a:r>
+            <a:r>
+              <a:rPr lang="en-IE" dirty="0" err="1" smtClean="0"/>
+              <a:t>codemerlin</a:t>
+            </a:r>
+            <a:r>
+              <a:rPr lang="en-IE" dirty="0" smtClean="0"/>
+              <a:t>)</a:t>
+            </a:r>
+            <a:endParaRPr lang="en-IE" dirty="0"/>
           </a:p>
           <a:p>
             <a:r>
               <a:rPr lang="en-IE" dirty="0" smtClean="0">
                 <a:hlinkClick r:id="rId2"/>
               </a:rPr>
-              <a:t>m</a:t>
-            </a:r>
+              <a:t>mohit@targetintegration.com</a:t>
+            </a:r>
+            <a:endParaRPr lang="en-IE" dirty="0" smtClean="0"/>
+          </a:p>
+          <a:p>
             <a:r>
               <a:rPr lang="en-IE" dirty="0" smtClean="0">
-                <a:hlinkClick r:id="rId2"/>
-              </a:rPr>
-              <a:t>ohit@targetintegration.com</a:t>
+                <a:hlinkClick r:id="rId3"/>
+              </a:rPr>
+              <a:t>www.targetintegration.com</a:t>
             </a:r>
             <a:endParaRPr lang="en-IE" dirty="0" smtClean="0"/>
           </a:p>
           <a:p>
             <a:r>
-              <a:rPr lang="en-IE" dirty="0" smtClean="0"/>
-              <a:t>Twitter:: @</a:t>
-            </a:r>
-            <a:r>
-              <a:rPr lang="en-IE" dirty="0" err="1" smtClean="0"/>
-              <a:t>codemerlin</a:t>
-            </a:r>
-            <a:endParaRPr lang="en-IE" dirty="0"/>
+              <a:rPr lang="en-IE" dirty="0" smtClean="0">
+                <a:hlinkClick r:id="rId4"/>
+              </a:rPr>
+              <a:t>www.codemerlin.com</a:t>
+            </a:r>
+            <a:endParaRPr lang="en-IE" dirty="0" smtClean="0"/>
           </a:p>
         </p:txBody>
       </p:sp>
@@ -10288,25 +10306,6 @@
       </p:sp>
       <p:sp>
         <p:nvSpPr>
-          <p:cNvPr id="3" name="Content Placeholder 2"/>
-          <p:cNvSpPr>
-            <a:spLocks noGrp="1"/>
-          </p:cNvSpPr>
-          <p:nvPr>
-            <p:ph idx="1"/>
-          </p:nvPr>
-        </p:nvSpPr>
-        <p:spPr/>
-        <p:txBody>
-          <a:bodyPr/>
-          <a:lstStyle/>
-          <a:p>
-            <a:endParaRPr lang="en-US" dirty="0"/>
-          </a:p>
-        </p:txBody>
-      </p:sp>
-      <p:sp>
-        <p:nvSpPr>
           <p:cNvPr id="4" name="Footer Placeholder 3"/>
           <p:cNvSpPr>
             <a:spLocks noGrp="1"/>
@@ -10325,6 +10324,1082 @@
               <a:t>© Target Integration Ltd</a:t>
             </a:r>
             <a:endParaRPr lang="en-IE"/>
+          </a:p>
+        </p:txBody>
+      </p:sp>
+      <p:sp>
+        <p:nvSpPr>
+          <p:cNvPr id="7" name="Rectangle 3"/>
+          <p:cNvSpPr>
+            <a:spLocks noChangeArrowheads="1"/>
+          </p:cNvSpPr>
+          <p:nvPr/>
+        </p:nvSpPr>
+        <p:spPr bwMode="auto">
+          <a:xfrm>
+            <a:off x="137150" y="1794302"/>
+            <a:ext cx="8854450" cy="830997"/>
+          </a:xfrm>
+          <a:prstGeom prst="rect">
+            <a:avLst/>
+          </a:prstGeom>
+          <a:solidFill>
+            <a:srgbClr val="F8F8F8"/>
+          </a:solidFill>
+          <a:ln>
+            <a:noFill/>
+          </a:ln>
+          <a:effectLst/>
+          <a:extLst>
+            <a:ext uri="{91240B29-F687-4F45-9708-019B960494DF}">
+              <a14:hiddenLine xmlns:a14="http://schemas.microsoft.com/office/drawing/2010/main" w="9525">
+                <a:solidFill>
+                  <a:schemeClr val="tx1"/>
+                </a:solidFill>
+                <a:miter lim="800000"/>
+                <a:headEnd/>
+                <a:tailEnd/>
+              </a14:hiddenLine>
+            </a:ext>
+            <a:ext uri="{AF507438-7753-43E0-B8FC-AC1667EBCBE1}">
+              <a14:hiddenEffects xmlns:a14="http://schemas.microsoft.com/office/drawing/2010/main">
+                <a:effectLst>
+                  <a:outerShdw dist="35921" dir="2700000" algn="ctr" rotWithShape="0">
+                    <a:schemeClr val="bg2"/>
+                  </a:outerShdw>
+                </a:effectLst>
+              </a14:hiddenEffects>
+            </a:ext>
+          </a:extLst>
+        </p:spPr>
+        <p:txBody>
+          <a:bodyPr vert="horz" wrap="square" lIns="91440" tIns="45720" rIns="91440" bIns="45720" numCol="1" anchor="ctr" anchorCtr="0" compatLnSpc="1">
+            <a:prstTxWarp prst="textNoShape">
+              <a:avLst/>
+            </a:prstTxWarp>
+            <a:spAutoFit/>
+          </a:bodyPr>
+          <a:lstStyle/>
+          <a:p>
+            <a:pPr marL="0" marR="0" lvl="0" indent="0" algn="l" defTabSz="914400" rtl="0" eaLnBrk="0" fontAlgn="base" latinLnBrk="0" hangingPunct="0">
+              <a:lnSpc>
+                <a:spcPct val="100000"/>
+              </a:lnSpc>
+              <a:spcBef>
+                <a:spcPct val="0"/>
+              </a:spcBef>
+              <a:spcAft>
+                <a:spcPct val="0"/>
+              </a:spcAft>
+              <a:buClrTx/>
+              <a:buSzTx/>
+              <a:buFontTx/>
+              <a:buNone/>
+              <a:tabLst/>
+            </a:pPr>
+            <a:r>
+              <a:rPr kumimoji="0" lang="en-US" sz="2400" b="0" i="0" u="none" strike="noStrike" cap="none" normalizeH="0" baseline="0" dirty="0" smtClean="0">
+                <a:ln>
+                  <a:noFill/>
+                </a:ln>
+                <a:solidFill>
+                  <a:srgbClr val="0000FF"/>
+                </a:solidFill>
+                <a:effectLst/>
+                <a:latin typeface="Consolas" panose="020B0609020204030204" pitchFamily="49" charset="0"/>
+                <a:cs typeface="Consolas" panose="020B0609020204030204" pitchFamily="49" charset="0"/>
+              </a:rPr>
+              <a:t>&lt;</a:t>
+            </a:r>
+            <a:r>
+              <a:rPr kumimoji="0" lang="en-US" sz="2400" b="0" i="0" u="none" strike="noStrike" cap="none" normalizeH="0" baseline="0" dirty="0" smtClean="0">
+                <a:ln>
+                  <a:noFill/>
+                </a:ln>
+                <a:solidFill>
+                  <a:srgbClr val="800000"/>
+                </a:solidFill>
+                <a:effectLst/>
+                <a:latin typeface="Consolas" panose="020B0609020204030204" pitchFamily="49" charset="0"/>
+                <a:cs typeface="Consolas" panose="020B0609020204030204" pitchFamily="49" charset="0"/>
+              </a:rPr>
+              <a:t>input</a:t>
+            </a:r>
+            <a:r>
+              <a:rPr kumimoji="0" lang="en-US" sz="2400" b="0" i="0" u="none" strike="noStrike" cap="none" normalizeH="0" baseline="0" dirty="0" smtClean="0">
+                <a:ln>
+                  <a:noFill/>
+                </a:ln>
+                <a:solidFill>
+                  <a:srgbClr val="000000"/>
+                </a:solidFill>
+                <a:effectLst/>
+                <a:latin typeface="Consolas" panose="020B0609020204030204" pitchFamily="49" charset="0"/>
+                <a:cs typeface="Consolas" panose="020B0609020204030204" pitchFamily="49" charset="0"/>
+              </a:rPr>
+              <a:t> </a:t>
+            </a:r>
+            <a:r>
+              <a:rPr kumimoji="0" lang="en-US" sz="2400" b="0" i="0" u="none" strike="noStrike" cap="none" normalizeH="0" baseline="0" dirty="0" err="1" smtClean="0">
+                <a:ln>
+                  <a:noFill/>
+                </a:ln>
+                <a:solidFill>
+                  <a:srgbClr val="A65300"/>
+                </a:solidFill>
+                <a:effectLst/>
+                <a:latin typeface="Consolas" panose="020B0609020204030204" pitchFamily="49" charset="0"/>
+                <a:cs typeface="Consolas" panose="020B0609020204030204" pitchFamily="49" charset="0"/>
+              </a:rPr>
+              <a:t>ng</a:t>
+            </a:r>
+            <a:r>
+              <a:rPr kumimoji="0" lang="en-US" sz="2400" b="0" i="0" u="none" strike="noStrike" cap="none" normalizeH="0" baseline="0" dirty="0" smtClean="0">
+                <a:ln>
+                  <a:noFill/>
+                </a:ln>
+                <a:solidFill>
+                  <a:srgbClr val="A65300"/>
+                </a:solidFill>
+                <a:effectLst/>
+                <a:latin typeface="Consolas" panose="020B0609020204030204" pitchFamily="49" charset="0"/>
+                <a:cs typeface="Consolas" panose="020B0609020204030204" pitchFamily="49" charset="0"/>
+              </a:rPr>
+              <a:t>-model</a:t>
+            </a:r>
+            <a:r>
+              <a:rPr kumimoji="0" lang="en-US" sz="2400" b="0" i="0" u="none" strike="noStrike" cap="none" normalizeH="0" baseline="0" dirty="0" smtClean="0">
+                <a:ln>
+                  <a:noFill/>
+                </a:ln>
+                <a:solidFill>
+                  <a:srgbClr val="0000FF"/>
+                </a:solidFill>
+                <a:effectLst/>
+                <a:latin typeface="Consolas" panose="020B0609020204030204" pitchFamily="49" charset="0"/>
+                <a:cs typeface="Consolas" panose="020B0609020204030204" pitchFamily="49" charset="0"/>
+              </a:rPr>
+              <a:t>=</a:t>
+            </a:r>
+            <a:r>
+              <a:rPr kumimoji="0" lang="en-US" sz="2400" b="0" i="0" u="none" strike="noStrike" cap="none" normalizeH="0" baseline="0" dirty="0" smtClean="0">
+                <a:ln>
+                  <a:noFill/>
+                </a:ln>
+                <a:solidFill>
+                  <a:srgbClr val="000080"/>
+                </a:solidFill>
+                <a:effectLst/>
+                <a:latin typeface="Consolas" panose="020B0609020204030204" pitchFamily="49" charset="0"/>
+                <a:cs typeface="Consolas" panose="020B0609020204030204" pitchFamily="49" charset="0"/>
+              </a:rPr>
+              <a:t>"person.name"</a:t>
+            </a:r>
+            <a:r>
+              <a:rPr kumimoji="0" lang="en-US" sz="2400" b="0" i="0" u="none" strike="noStrike" cap="none" normalizeH="0" baseline="0" dirty="0" smtClean="0">
+                <a:ln>
+                  <a:noFill/>
+                </a:ln>
+                <a:solidFill>
+                  <a:srgbClr val="000000"/>
+                </a:solidFill>
+                <a:effectLst/>
+                <a:latin typeface="Consolas" panose="020B0609020204030204" pitchFamily="49" charset="0"/>
+                <a:cs typeface="Consolas" panose="020B0609020204030204" pitchFamily="49" charset="0"/>
+              </a:rPr>
+              <a:t> </a:t>
+            </a:r>
+          </a:p>
+          <a:p>
+            <a:pPr marL="0" marR="0" lvl="0" indent="0" algn="l" defTabSz="914400" rtl="0" eaLnBrk="0" fontAlgn="base" latinLnBrk="0" hangingPunct="0">
+              <a:lnSpc>
+                <a:spcPct val="100000"/>
+              </a:lnSpc>
+              <a:spcBef>
+                <a:spcPct val="0"/>
+              </a:spcBef>
+              <a:spcAft>
+                <a:spcPct val="0"/>
+              </a:spcAft>
+              <a:buClrTx/>
+              <a:buSzTx/>
+              <a:buFontTx/>
+              <a:buNone/>
+              <a:tabLst/>
+            </a:pPr>
+            <a:r>
+              <a:rPr kumimoji="0" lang="en-US" sz="2400" b="0" i="0" u="none" strike="noStrike" cap="none" normalizeH="0" baseline="0" dirty="0" smtClean="0">
+                <a:ln>
+                  <a:noFill/>
+                </a:ln>
+                <a:solidFill>
+                  <a:srgbClr val="A65300"/>
+                </a:solidFill>
+                <a:effectLst/>
+                <a:latin typeface="Consolas" panose="020B0609020204030204" pitchFamily="49" charset="0"/>
+                <a:cs typeface="Consolas" panose="020B0609020204030204" pitchFamily="49" charset="0"/>
+              </a:rPr>
+              <a:t>name</a:t>
+            </a:r>
+            <a:r>
+              <a:rPr kumimoji="0" lang="en-US" sz="2400" b="0" i="0" u="none" strike="noStrike" cap="none" normalizeH="0" baseline="0" dirty="0" smtClean="0">
+                <a:ln>
+                  <a:noFill/>
+                </a:ln>
+                <a:solidFill>
+                  <a:srgbClr val="0000FF"/>
+                </a:solidFill>
+                <a:effectLst/>
+                <a:latin typeface="Consolas" panose="020B0609020204030204" pitchFamily="49" charset="0"/>
+                <a:cs typeface="Consolas" panose="020B0609020204030204" pitchFamily="49" charset="0"/>
+              </a:rPr>
+              <a:t>=</a:t>
+            </a:r>
+            <a:r>
+              <a:rPr kumimoji="0" lang="en-US" sz="2400" b="0" i="0" u="none" strike="noStrike" cap="none" normalizeH="0" baseline="0" dirty="0" smtClean="0">
+                <a:ln>
+                  <a:noFill/>
+                </a:ln>
+                <a:solidFill>
+                  <a:srgbClr val="000080"/>
+                </a:solidFill>
+                <a:effectLst/>
+                <a:latin typeface="Consolas" panose="020B0609020204030204" pitchFamily="49" charset="0"/>
+                <a:cs typeface="Consolas" panose="020B0609020204030204" pitchFamily="49" charset="0"/>
+              </a:rPr>
+              <a:t>"</a:t>
+            </a:r>
+            <a:r>
+              <a:rPr kumimoji="0" lang="en-US" sz="2400" b="0" i="0" u="none" strike="noStrike" cap="none" normalizeH="0" baseline="0" dirty="0" err="1" smtClean="0">
+                <a:ln>
+                  <a:noFill/>
+                </a:ln>
+                <a:solidFill>
+                  <a:srgbClr val="000080"/>
+                </a:solidFill>
+                <a:effectLst/>
+                <a:latin typeface="Consolas" panose="020B0609020204030204" pitchFamily="49" charset="0"/>
+                <a:cs typeface="Consolas" panose="020B0609020204030204" pitchFamily="49" charset="0"/>
+              </a:rPr>
+              <a:t>nametxt</a:t>
+            </a:r>
+            <a:r>
+              <a:rPr kumimoji="0" lang="en-US" sz="2400" b="0" i="0" u="none" strike="noStrike" cap="none" normalizeH="0" baseline="0" dirty="0" smtClean="0">
+                <a:ln>
+                  <a:noFill/>
+                </a:ln>
+                <a:solidFill>
+                  <a:srgbClr val="000080"/>
+                </a:solidFill>
+                <a:effectLst/>
+                <a:latin typeface="Consolas" panose="020B0609020204030204" pitchFamily="49" charset="0"/>
+                <a:cs typeface="Consolas" panose="020B0609020204030204" pitchFamily="49" charset="0"/>
+              </a:rPr>
+              <a:t>"</a:t>
+            </a:r>
+            <a:r>
+              <a:rPr kumimoji="0" lang="en-US" sz="2400" b="0" i="0" u="none" strike="noStrike" cap="none" normalizeH="0" baseline="0" dirty="0" smtClean="0">
+                <a:ln>
+                  <a:noFill/>
+                </a:ln>
+                <a:solidFill>
+                  <a:srgbClr val="000000"/>
+                </a:solidFill>
+                <a:effectLst/>
+                <a:latin typeface="Consolas" panose="020B0609020204030204" pitchFamily="49" charset="0"/>
+                <a:cs typeface="Consolas" panose="020B0609020204030204" pitchFamily="49" charset="0"/>
+              </a:rPr>
+              <a:t> </a:t>
+            </a:r>
+            <a:r>
+              <a:rPr kumimoji="0" lang="en-US" sz="2400" b="0" i="0" u="none" strike="noStrike" cap="none" normalizeH="0" baseline="0" dirty="0" err="1" smtClean="0">
+                <a:ln>
+                  <a:noFill/>
+                </a:ln>
+                <a:solidFill>
+                  <a:srgbClr val="A65300"/>
+                </a:solidFill>
+                <a:effectLst/>
+                <a:latin typeface="Consolas" panose="020B0609020204030204" pitchFamily="49" charset="0"/>
+                <a:cs typeface="Consolas" panose="020B0609020204030204" pitchFamily="49" charset="0"/>
+              </a:rPr>
+              <a:t>ng</a:t>
+            </a:r>
+            <a:r>
+              <a:rPr kumimoji="0" lang="en-US" sz="2400" b="0" i="0" u="none" strike="noStrike" cap="none" normalizeH="0" baseline="0" dirty="0" smtClean="0">
+                <a:ln>
+                  <a:noFill/>
+                </a:ln>
+                <a:solidFill>
+                  <a:srgbClr val="A65300"/>
+                </a:solidFill>
+                <a:effectLst/>
+                <a:latin typeface="Consolas" panose="020B0609020204030204" pitchFamily="49" charset="0"/>
+                <a:cs typeface="Consolas" panose="020B0609020204030204" pitchFamily="49" charset="0"/>
+              </a:rPr>
+              <a:t>-red-border</a:t>
+            </a:r>
+            <a:r>
+              <a:rPr kumimoji="0" lang="en-US" sz="2400" b="0" i="0" u="none" strike="noStrike" cap="none" normalizeH="0" baseline="0" dirty="0" smtClean="0">
+                <a:ln>
+                  <a:noFill/>
+                </a:ln>
+                <a:solidFill>
+                  <a:srgbClr val="000000"/>
+                </a:solidFill>
+                <a:effectLst/>
+                <a:latin typeface="Consolas" panose="020B0609020204030204" pitchFamily="49" charset="0"/>
+                <a:cs typeface="Consolas" panose="020B0609020204030204" pitchFamily="49" charset="0"/>
+              </a:rPr>
+              <a:t> </a:t>
+            </a:r>
+            <a:r>
+              <a:rPr kumimoji="0" lang="en-US" sz="2400" b="0" i="0" u="none" strike="noStrike" cap="none" normalizeH="0" baseline="0" dirty="0" smtClean="0">
+                <a:ln>
+                  <a:noFill/>
+                </a:ln>
+                <a:solidFill>
+                  <a:srgbClr val="0000FF"/>
+                </a:solidFill>
+                <a:effectLst/>
+                <a:latin typeface="Consolas" panose="020B0609020204030204" pitchFamily="49" charset="0"/>
+                <a:cs typeface="Consolas" panose="020B0609020204030204" pitchFamily="49" charset="0"/>
+              </a:rPr>
+              <a:t>/&gt;</a:t>
+            </a:r>
+            <a:r>
+              <a:rPr kumimoji="0" lang="en-US" sz="2400" b="0" i="0" u="none" strike="noStrike" cap="none" normalizeH="0" baseline="0" dirty="0" smtClean="0">
+                <a:ln>
+                  <a:noFill/>
+                </a:ln>
+                <a:solidFill>
+                  <a:srgbClr val="000000"/>
+                </a:solidFill>
+                <a:effectLst/>
+                <a:latin typeface="Consolas" panose="020B0609020204030204" pitchFamily="49" charset="0"/>
+                <a:cs typeface="Consolas" panose="020B0609020204030204" pitchFamily="49" charset="0"/>
+              </a:rPr>
+              <a:t> </a:t>
+            </a:r>
+            <a:endParaRPr kumimoji="0" lang="en-US" sz="3600" b="0" i="0" u="none" strike="noStrike" cap="none" normalizeH="0" baseline="0" dirty="0" smtClean="0">
+              <a:ln>
+                <a:noFill/>
+              </a:ln>
+              <a:solidFill>
+                <a:schemeClr val="tx1"/>
+              </a:solidFill>
+              <a:effectLst/>
+              <a:latin typeface="Arial" panose="020B0604020202020204" pitchFamily="34" charset="0"/>
+            </a:endParaRPr>
+          </a:p>
+        </p:txBody>
+      </p:sp>
+      <p:sp>
+        <p:nvSpPr>
+          <p:cNvPr id="8" name="Rectangle 4"/>
+          <p:cNvSpPr>
+            <a:spLocks noChangeArrowheads="1"/>
+          </p:cNvSpPr>
+          <p:nvPr/>
+        </p:nvSpPr>
+        <p:spPr bwMode="auto">
+          <a:xfrm>
+            <a:off x="137150" y="2723614"/>
+            <a:ext cx="8934564" cy="3785652"/>
+          </a:xfrm>
+          <a:prstGeom prst="rect">
+            <a:avLst/>
+          </a:prstGeom>
+          <a:solidFill>
+            <a:srgbClr val="F8F8F8"/>
+          </a:solidFill>
+          <a:ln>
+            <a:noFill/>
+          </a:ln>
+          <a:effectLst/>
+          <a:extLst>
+            <a:ext uri="{91240B29-F687-4F45-9708-019B960494DF}">
+              <a14:hiddenLine xmlns:a14="http://schemas.microsoft.com/office/drawing/2010/main" w="9525">
+                <a:solidFill>
+                  <a:schemeClr val="tx1"/>
+                </a:solidFill>
+                <a:miter lim="800000"/>
+                <a:headEnd/>
+                <a:tailEnd/>
+              </a14:hiddenLine>
+            </a:ext>
+            <a:ext uri="{AF507438-7753-43E0-B8FC-AC1667EBCBE1}">
+              <a14:hiddenEffects xmlns:a14="http://schemas.microsoft.com/office/drawing/2010/main">
+                <a:effectLst>
+                  <a:outerShdw dist="35921" dir="2700000" algn="ctr" rotWithShape="0">
+                    <a:schemeClr val="bg2"/>
+                  </a:outerShdw>
+                </a:effectLst>
+              </a14:hiddenEffects>
+            </a:ext>
+          </a:extLst>
+        </p:spPr>
+        <p:txBody>
+          <a:bodyPr vert="horz" wrap="square" lIns="91440" tIns="45720" rIns="91440" bIns="45720" numCol="1" anchor="ctr" anchorCtr="0" compatLnSpc="1">
+            <a:prstTxWarp prst="textNoShape">
+              <a:avLst/>
+            </a:prstTxWarp>
+            <a:spAutoFit/>
+          </a:bodyPr>
+          <a:lstStyle/>
+          <a:p>
+            <a:pPr marL="0" marR="0" lvl="0" indent="0" algn="l" defTabSz="914400" rtl="0" eaLnBrk="0" fontAlgn="base" latinLnBrk="0" hangingPunct="0">
+              <a:lnSpc>
+                <a:spcPct val="100000"/>
+              </a:lnSpc>
+              <a:spcBef>
+                <a:spcPct val="0"/>
+              </a:spcBef>
+              <a:spcAft>
+                <a:spcPct val="0"/>
+              </a:spcAft>
+              <a:buClrTx/>
+              <a:buSzTx/>
+              <a:buFontTx/>
+              <a:buNone/>
+              <a:tabLst/>
+            </a:pPr>
+            <a:r>
+              <a:rPr kumimoji="0" lang="en-US" sz="2400" b="0" i="0" u="none" strike="noStrike" cap="none" normalizeH="0" baseline="0" dirty="0" err="1" smtClean="0">
+                <a:ln>
+                  <a:noFill/>
+                </a:ln>
+                <a:solidFill>
+                  <a:srgbClr val="800000"/>
+                </a:solidFill>
+                <a:effectLst/>
+                <a:latin typeface="Consolas" panose="020B0609020204030204" pitchFamily="49" charset="0"/>
+                <a:cs typeface="Consolas" panose="020B0609020204030204" pitchFamily="49" charset="0"/>
+              </a:rPr>
+              <a:t>myAppModule</a:t>
+            </a:r>
+            <a:r>
+              <a:rPr kumimoji="0" lang="en-US" sz="2400" b="0" i="0" u="none" strike="noStrike" cap="none" normalizeH="0" baseline="0" dirty="0" err="1" smtClean="0">
+                <a:ln>
+                  <a:noFill/>
+                </a:ln>
+                <a:solidFill>
+                  <a:srgbClr val="000000"/>
+                </a:solidFill>
+                <a:effectLst/>
+                <a:latin typeface="Consolas" panose="020B0609020204030204" pitchFamily="49" charset="0"/>
+                <a:cs typeface="Consolas" panose="020B0609020204030204" pitchFamily="49" charset="0"/>
+              </a:rPr>
+              <a:t>.</a:t>
+            </a:r>
+            <a:r>
+              <a:rPr kumimoji="0" lang="en-US" sz="2400" b="0" i="0" u="none" strike="noStrike" cap="none" normalizeH="0" baseline="0" dirty="0" err="1" smtClean="0">
+                <a:ln>
+                  <a:noFill/>
+                </a:ln>
+                <a:solidFill>
+                  <a:srgbClr val="800000"/>
+                </a:solidFill>
+                <a:effectLst/>
+                <a:latin typeface="Consolas" panose="020B0609020204030204" pitchFamily="49" charset="0"/>
+                <a:cs typeface="Consolas" panose="020B0609020204030204" pitchFamily="49" charset="0"/>
+              </a:rPr>
+              <a:t>directive</a:t>
+            </a:r>
+            <a:r>
+              <a:rPr kumimoji="0" lang="en-US" sz="2400" b="0" i="0" u="none" strike="noStrike" cap="none" normalizeH="0" baseline="0" dirty="0" smtClean="0">
+                <a:ln>
+                  <a:noFill/>
+                </a:ln>
+                <a:solidFill>
+                  <a:srgbClr val="000000"/>
+                </a:solidFill>
+                <a:effectLst/>
+                <a:latin typeface="Consolas" panose="020B0609020204030204" pitchFamily="49" charset="0"/>
+                <a:cs typeface="Consolas" panose="020B0609020204030204" pitchFamily="49" charset="0"/>
+              </a:rPr>
+              <a:t>("</a:t>
+            </a:r>
+            <a:r>
+              <a:rPr kumimoji="0" lang="en-US" sz="2400" b="0" i="0" u="none" strike="noStrike" cap="none" normalizeH="0" baseline="0" dirty="0" err="1" smtClean="0">
+                <a:ln>
+                  <a:noFill/>
+                </a:ln>
+                <a:solidFill>
+                  <a:srgbClr val="000000"/>
+                </a:solidFill>
+                <a:effectLst/>
+                <a:latin typeface="Consolas" panose="020B0609020204030204" pitchFamily="49" charset="0"/>
+                <a:cs typeface="Consolas" panose="020B0609020204030204" pitchFamily="49" charset="0"/>
+              </a:rPr>
+              <a:t>ngRedBorder</a:t>
+            </a:r>
+            <a:r>
+              <a:rPr kumimoji="0" lang="en-US" sz="2400" b="0" i="0" u="none" strike="noStrike" cap="none" normalizeH="0" baseline="0" dirty="0" smtClean="0">
+                <a:ln>
+                  <a:noFill/>
+                </a:ln>
+                <a:solidFill>
+                  <a:srgbClr val="000000"/>
+                </a:solidFill>
+                <a:effectLst/>
+                <a:latin typeface="Consolas" panose="020B0609020204030204" pitchFamily="49" charset="0"/>
+                <a:cs typeface="Consolas" panose="020B0609020204030204" pitchFamily="49" charset="0"/>
+              </a:rPr>
+              <a:t>", </a:t>
+            </a:r>
+            <a:r>
+              <a:rPr kumimoji="0" lang="en-US" sz="2400" b="0" i="0" u="none" strike="noStrike" cap="none" normalizeH="0" baseline="0" dirty="0" smtClean="0">
+                <a:ln>
+                  <a:noFill/>
+                </a:ln>
+                <a:solidFill>
+                  <a:srgbClr val="000080"/>
+                </a:solidFill>
+                <a:effectLst/>
+                <a:latin typeface="Consolas" panose="020B0609020204030204" pitchFamily="49" charset="0"/>
+                <a:cs typeface="Consolas" panose="020B0609020204030204" pitchFamily="49" charset="0"/>
+              </a:rPr>
+              <a:t>function</a:t>
+            </a:r>
+            <a:r>
+              <a:rPr kumimoji="0" lang="en-US" sz="2400" b="0" i="0" u="none" strike="noStrike" cap="none" normalizeH="0" baseline="0" dirty="0" smtClean="0">
+                <a:ln>
+                  <a:noFill/>
+                </a:ln>
+                <a:solidFill>
+                  <a:srgbClr val="000000"/>
+                </a:solidFill>
+                <a:effectLst/>
+                <a:latin typeface="Consolas" panose="020B0609020204030204" pitchFamily="49" charset="0"/>
+                <a:cs typeface="Consolas" panose="020B0609020204030204" pitchFamily="49" charset="0"/>
+              </a:rPr>
+              <a:t> () {</a:t>
+            </a:r>
+          </a:p>
+          <a:p>
+            <a:pPr marL="0" marR="0" lvl="0" indent="0" algn="l" defTabSz="914400" rtl="0" eaLnBrk="0" fontAlgn="base" latinLnBrk="0" hangingPunct="0">
+              <a:lnSpc>
+                <a:spcPct val="100000"/>
+              </a:lnSpc>
+              <a:spcBef>
+                <a:spcPct val="0"/>
+              </a:spcBef>
+              <a:spcAft>
+                <a:spcPct val="0"/>
+              </a:spcAft>
+              <a:buClrTx/>
+              <a:buSzTx/>
+              <a:buFontTx/>
+              <a:buNone/>
+              <a:tabLst/>
+            </a:pPr>
+            <a:r>
+              <a:rPr kumimoji="0" lang="en-US" sz="2400" b="0" i="0" u="none" strike="noStrike" cap="none" normalizeH="0" baseline="0" dirty="0" smtClean="0">
+                <a:ln>
+                  <a:noFill/>
+                </a:ln>
+                <a:solidFill>
+                  <a:srgbClr val="000000"/>
+                </a:solidFill>
+                <a:effectLst/>
+                <a:latin typeface="Consolas" panose="020B0609020204030204" pitchFamily="49" charset="0"/>
+                <a:cs typeface="Consolas" panose="020B0609020204030204" pitchFamily="49" charset="0"/>
+              </a:rPr>
+              <a:t>     </a:t>
+            </a:r>
+            <a:r>
+              <a:rPr kumimoji="0" lang="en-US" sz="2400" b="0" i="0" u="none" strike="noStrike" cap="none" normalizeH="0" baseline="0" dirty="0" smtClean="0">
+                <a:ln>
+                  <a:noFill/>
+                </a:ln>
+                <a:solidFill>
+                  <a:srgbClr val="000080"/>
+                </a:solidFill>
+                <a:effectLst/>
+                <a:latin typeface="Consolas" panose="020B0609020204030204" pitchFamily="49" charset="0"/>
+                <a:cs typeface="Consolas" panose="020B0609020204030204" pitchFamily="49" charset="0"/>
+              </a:rPr>
+              <a:t>return</a:t>
+            </a:r>
+            <a:r>
+              <a:rPr kumimoji="0" lang="en-US" sz="2400" b="0" i="0" u="none" strike="noStrike" cap="none" normalizeH="0" baseline="0" dirty="0" smtClean="0">
+                <a:ln>
+                  <a:noFill/>
+                </a:ln>
+                <a:solidFill>
+                  <a:srgbClr val="000000"/>
+                </a:solidFill>
+                <a:effectLst/>
+                <a:latin typeface="Consolas" panose="020B0609020204030204" pitchFamily="49" charset="0"/>
+                <a:cs typeface="Consolas" panose="020B0609020204030204" pitchFamily="49" charset="0"/>
+              </a:rPr>
+              <a:t> {</a:t>
+            </a:r>
+          </a:p>
+          <a:p>
+            <a:pPr marL="0" marR="0" lvl="0" indent="0" algn="l" defTabSz="914400" rtl="0" eaLnBrk="0" fontAlgn="base" latinLnBrk="0" hangingPunct="0">
+              <a:lnSpc>
+                <a:spcPct val="100000"/>
+              </a:lnSpc>
+              <a:spcBef>
+                <a:spcPct val="0"/>
+              </a:spcBef>
+              <a:spcAft>
+                <a:spcPct val="0"/>
+              </a:spcAft>
+              <a:buClrTx/>
+              <a:buSzTx/>
+              <a:buFontTx/>
+              <a:buNone/>
+              <a:tabLst/>
+            </a:pPr>
+            <a:r>
+              <a:rPr kumimoji="0" lang="en-US" sz="2400" b="0" i="0" u="none" strike="noStrike" cap="none" normalizeH="0" baseline="0" dirty="0" smtClean="0">
+                <a:ln>
+                  <a:noFill/>
+                </a:ln>
+                <a:solidFill>
+                  <a:srgbClr val="000000"/>
+                </a:solidFill>
+                <a:effectLst/>
+                <a:latin typeface="Consolas" panose="020B0609020204030204" pitchFamily="49" charset="0"/>
+                <a:cs typeface="Consolas" panose="020B0609020204030204" pitchFamily="49" charset="0"/>
+              </a:rPr>
+              <a:t>         </a:t>
+            </a:r>
+            <a:r>
+              <a:rPr kumimoji="0" lang="en-US" sz="2400" b="0" i="0" u="none" strike="noStrike" cap="none" normalizeH="0" baseline="0" dirty="0" smtClean="0">
+                <a:ln>
+                  <a:noFill/>
+                </a:ln>
+                <a:solidFill>
+                  <a:srgbClr val="800000"/>
+                </a:solidFill>
+                <a:effectLst/>
+                <a:latin typeface="Consolas" panose="020B0609020204030204" pitchFamily="49" charset="0"/>
+                <a:cs typeface="Consolas" panose="020B0609020204030204" pitchFamily="49" charset="0"/>
+              </a:rPr>
+              <a:t>restrict</a:t>
+            </a:r>
+            <a:r>
+              <a:rPr kumimoji="0" lang="en-US" sz="2400" b="0" i="0" u="none" strike="noStrike" cap="none" normalizeH="0" baseline="0" dirty="0" smtClean="0">
+                <a:ln>
+                  <a:noFill/>
+                </a:ln>
+                <a:solidFill>
+                  <a:srgbClr val="000000"/>
+                </a:solidFill>
+                <a:effectLst/>
+                <a:latin typeface="Consolas" panose="020B0609020204030204" pitchFamily="49" charset="0"/>
+                <a:cs typeface="Consolas" panose="020B0609020204030204" pitchFamily="49" charset="0"/>
+              </a:rPr>
+              <a:t>: "A",</a:t>
+            </a:r>
+          </a:p>
+          <a:p>
+            <a:pPr marL="0" marR="0" lvl="0" indent="0" algn="l" defTabSz="914400" rtl="0" eaLnBrk="0" fontAlgn="base" latinLnBrk="0" hangingPunct="0">
+              <a:lnSpc>
+                <a:spcPct val="100000"/>
+              </a:lnSpc>
+              <a:spcBef>
+                <a:spcPct val="0"/>
+              </a:spcBef>
+              <a:spcAft>
+                <a:spcPct val="0"/>
+              </a:spcAft>
+              <a:buClrTx/>
+              <a:buSzTx/>
+              <a:buFontTx/>
+              <a:buNone/>
+              <a:tabLst/>
+            </a:pPr>
+            <a:r>
+              <a:rPr kumimoji="0" lang="en-US" sz="2400" b="0" i="0" u="none" strike="noStrike" cap="none" normalizeH="0" baseline="0" dirty="0" smtClean="0">
+                <a:ln>
+                  <a:noFill/>
+                </a:ln>
+                <a:solidFill>
+                  <a:srgbClr val="000000"/>
+                </a:solidFill>
+                <a:effectLst/>
+                <a:latin typeface="Consolas" panose="020B0609020204030204" pitchFamily="49" charset="0"/>
+                <a:cs typeface="Consolas" panose="020B0609020204030204" pitchFamily="49" charset="0"/>
+              </a:rPr>
+              <a:t>         </a:t>
+            </a:r>
+            <a:r>
+              <a:rPr kumimoji="0" lang="en-US" sz="2400" b="0" i="0" u="none" strike="noStrike" cap="none" normalizeH="0" baseline="0" dirty="0" smtClean="0">
+                <a:ln>
+                  <a:noFill/>
+                </a:ln>
+                <a:solidFill>
+                  <a:srgbClr val="800000"/>
+                </a:solidFill>
+                <a:effectLst/>
+                <a:latin typeface="Consolas" panose="020B0609020204030204" pitchFamily="49" charset="0"/>
+                <a:cs typeface="Consolas" panose="020B0609020204030204" pitchFamily="49" charset="0"/>
+              </a:rPr>
+              <a:t>link</a:t>
+            </a:r>
+            <a:r>
+              <a:rPr kumimoji="0" lang="en-US" sz="2400" b="0" i="0" u="none" strike="noStrike" cap="none" normalizeH="0" baseline="0" dirty="0" smtClean="0">
+                <a:ln>
+                  <a:noFill/>
+                </a:ln>
+                <a:solidFill>
+                  <a:srgbClr val="000000"/>
+                </a:solidFill>
+                <a:effectLst/>
+                <a:latin typeface="Consolas" panose="020B0609020204030204" pitchFamily="49" charset="0"/>
+                <a:cs typeface="Consolas" panose="020B0609020204030204" pitchFamily="49" charset="0"/>
+              </a:rPr>
+              <a:t>: </a:t>
+            </a:r>
+            <a:r>
+              <a:rPr kumimoji="0" lang="en-US" sz="2400" b="0" i="0" u="none" strike="noStrike" cap="none" normalizeH="0" baseline="0" dirty="0" smtClean="0">
+                <a:ln>
+                  <a:noFill/>
+                </a:ln>
+                <a:solidFill>
+                  <a:srgbClr val="000080"/>
+                </a:solidFill>
+                <a:effectLst/>
+                <a:latin typeface="Consolas" panose="020B0609020204030204" pitchFamily="49" charset="0"/>
+                <a:cs typeface="Consolas" panose="020B0609020204030204" pitchFamily="49" charset="0"/>
+              </a:rPr>
+              <a:t>function</a:t>
+            </a:r>
+            <a:r>
+              <a:rPr kumimoji="0" lang="en-US" sz="2400" b="0" i="0" u="none" strike="noStrike" cap="none" normalizeH="0" baseline="0" dirty="0" smtClean="0">
+                <a:ln>
+                  <a:noFill/>
+                </a:ln>
+                <a:solidFill>
+                  <a:srgbClr val="000000"/>
+                </a:solidFill>
+                <a:effectLst/>
+                <a:latin typeface="Consolas" panose="020B0609020204030204" pitchFamily="49" charset="0"/>
+                <a:cs typeface="Consolas" panose="020B0609020204030204" pitchFamily="49" charset="0"/>
+              </a:rPr>
+              <a:t> (</a:t>
+            </a:r>
+            <a:r>
+              <a:rPr kumimoji="0" lang="en-US" sz="2400" b="0" i="0" u="none" strike="noStrike" cap="none" normalizeH="0" baseline="0" dirty="0" smtClean="0">
+                <a:ln>
+                  <a:noFill/>
+                </a:ln>
+                <a:solidFill>
+                  <a:srgbClr val="800000"/>
+                </a:solidFill>
+                <a:effectLst/>
+                <a:latin typeface="Consolas" panose="020B0609020204030204" pitchFamily="49" charset="0"/>
+                <a:cs typeface="Consolas" panose="020B0609020204030204" pitchFamily="49" charset="0"/>
+              </a:rPr>
+              <a:t>scope</a:t>
+            </a:r>
+            <a:r>
+              <a:rPr kumimoji="0" lang="en-US" sz="2400" b="0" i="0" u="none" strike="noStrike" cap="none" normalizeH="0" baseline="0" dirty="0" smtClean="0">
+                <a:ln>
+                  <a:noFill/>
+                </a:ln>
+                <a:solidFill>
+                  <a:srgbClr val="000000"/>
+                </a:solidFill>
+                <a:effectLst/>
+                <a:latin typeface="Consolas" panose="020B0609020204030204" pitchFamily="49" charset="0"/>
+                <a:cs typeface="Consolas" panose="020B0609020204030204" pitchFamily="49" charset="0"/>
+              </a:rPr>
+              <a:t>, </a:t>
+            </a:r>
+            <a:r>
+              <a:rPr kumimoji="0" lang="en-US" sz="2400" b="0" i="0" u="none" strike="noStrike" cap="none" normalizeH="0" baseline="0" dirty="0" smtClean="0">
+                <a:ln>
+                  <a:noFill/>
+                </a:ln>
+                <a:solidFill>
+                  <a:srgbClr val="800000"/>
+                </a:solidFill>
+                <a:effectLst/>
+                <a:latin typeface="Consolas" panose="020B0609020204030204" pitchFamily="49" charset="0"/>
+                <a:cs typeface="Consolas" panose="020B0609020204030204" pitchFamily="49" charset="0"/>
+              </a:rPr>
+              <a:t>element</a:t>
+            </a:r>
+            <a:r>
+              <a:rPr kumimoji="0" lang="en-US" sz="2400" b="0" i="0" u="none" strike="noStrike" cap="none" normalizeH="0" baseline="0" dirty="0" smtClean="0">
+                <a:ln>
+                  <a:noFill/>
+                </a:ln>
+                <a:solidFill>
+                  <a:srgbClr val="000000"/>
+                </a:solidFill>
+                <a:effectLst/>
+                <a:latin typeface="Consolas" panose="020B0609020204030204" pitchFamily="49" charset="0"/>
+                <a:cs typeface="Consolas" panose="020B0609020204030204" pitchFamily="49" charset="0"/>
+              </a:rPr>
+              <a:t>, </a:t>
+            </a:r>
+            <a:r>
+              <a:rPr kumimoji="0" lang="en-US" sz="2400" b="0" i="0" u="none" strike="noStrike" cap="none" normalizeH="0" baseline="0" dirty="0" err="1" smtClean="0">
+                <a:ln>
+                  <a:noFill/>
+                </a:ln>
+                <a:solidFill>
+                  <a:srgbClr val="800000"/>
+                </a:solidFill>
+                <a:effectLst/>
+                <a:latin typeface="Consolas" panose="020B0609020204030204" pitchFamily="49" charset="0"/>
+                <a:cs typeface="Consolas" panose="020B0609020204030204" pitchFamily="49" charset="0"/>
+              </a:rPr>
+              <a:t>attr</a:t>
+            </a:r>
+            <a:r>
+              <a:rPr kumimoji="0" lang="en-US" sz="2400" b="0" i="0" u="none" strike="noStrike" cap="none" normalizeH="0" baseline="0" dirty="0" smtClean="0">
+                <a:ln>
+                  <a:noFill/>
+                </a:ln>
+                <a:solidFill>
+                  <a:srgbClr val="000000"/>
+                </a:solidFill>
+                <a:effectLst/>
+                <a:latin typeface="Consolas" panose="020B0609020204030204" pitchFamily="49" charset="0"/>
+                <a:cs typeface="Consolas" panose="020B0609020204030204" pitchFamily="49" charset="0"/>
+              </a:rPr>
+              <a:t>) {</a:t>
+            </a:r>
+          </a:p>
+          <a:p>
+            <a:pPr marL="0" marR="0" lvl="0" indent="0" algn="l" defTabSz="914400" rtl="0" eaLnBrk="0" fontAlgn="base" latinLnBrk="0" hangingPunct="0">
+              <a:lnSpc>
+                <a:spcPct val="100000"/>
+              </a:lnSpc>
+              <a:spcBef>
+                <a:spcPct val="0"/>
+              </a:spcBef>
+              <a:spcAft>
+                <a:spcPct val="0"/>
+              </a:spcAft>
+              <a:buClrTx/>
+              <a:buSzTx/>
+              <a:buFontTx/>
+              <a:buNone/>
+              <a:tabLst/>
+            </a:pPr>
+            <a:r>
+              <a:rPr kumimoji="0" lang="en-US" sz="2400" b="0" i="0" u="none" strike="noStrike" cap="none" normalizeH="0" baseline="0" dirty="0" smtClean="0">
+                <a:ln>
+                  <a:noFill/>
+                </a:ln>
+                <a:solidFill>
+                  <a:srgbClr val="000000"/>
+                </a:solidFill>
+                <a:effectLst/>
+                <a:latin typeface="Consolas" panose="020B0609020204030204" pitchFamily="49" charset="0"/>
+                <a:cs typeface="Consolas" panose="020B0609020204030204" pitchFamily="49" charset="0"/>
+              </a:rPr>
+              <a:t>             </a:t>
+            </a:r>
+            <a:r>
+              <a:rPr kumimoji="0" lang="en-US" sz="2400" b="0" i="0" u="none" strike="noStrike" cap="none" normalizeH="0" baseline="0" dirty="0" smtClean="0">
+                <a:ln>
+                  <a:noFill/>
+                </a:ln>
+                <a:solidFill>
+                  <a:srgbClr val="800000"/>
+                </a:solidFill>
+                <a:effectLst/>
+                <a:latin typeface="Consolas" panose="020B0609020204030204" pitchFamily="49" charset="0"/>
+                <a:cs typeface="Consolas" panose="020B0609020204030204" pitchFamily="49" charset="0"/>
+              </a:rPr>
+              <a:t>element</a:t>
+            </a:r>
+          </a:p>
+          <a:p>
+            <a:pPr marL="0" marR="0" lvl="0" indent="0" algn="l" defTabSz="914400" rtl="0" eaLnBrk="0" fontAlgn="base" latinLnBrk="0" hangingPunct="0">
+              <a:lnSpc>
+                <a:spcPct val="100000"/>
+              </a:lnSpc>
+              <a:spcBef>
+                <a:spcPct val="0"/>
+              </a:spcBef>
+              <a:spcAft>
+                <a:spcPct val="0"/>
+              </a:spcAft>
+              <a:buClrTx/>
+              <a:buSzTx/>
+              <a:buFontTx/>
+              <a:buNone/>
+              <a:tabLst/>
+            </a:pPr>
+            <a:r>
+              <a:rPr lang="en-US" sz="2400" dirty="0">
+                <a:solidFill>
+                  <a:srgbClr val="800000"/>
+                </a:solidFill>
+                <a:latin typeface="Consolas" panose="020B0609020204030204" pitchFamily="49" charset="0"/>
+                <a:cs typeface="Consolas" panose="020B0609020204030204" pitchFamily="49" charset="0"/>
+              </a:rPr>
+              <a:t>	</a:t>
+            </a:r>
+            <a:r>
+              <a:rPr lang="en-US" sz="2400" dirty="0" smtClean="0">
+                <a:solidFill>
+                  <a:srgbClr val="800000"/>
+                </a:solidFill>
+                <a:latin typeface="Consolas" panose="020B0609020204030204" pitchFamily="49" charset="0"/>
+                <a:cs typeface="Consolas" panose="020B0609020204030204" pitchFamily="49" charset="0"/>
+              </a:rPr>
+              <a:t>		</a:t>
+            </a:r>
+            <a:r>
+              <a:rPr kumimoji="0" lang="en-US" sz="2400" b="0" i="0" u="none" strike="noStrike" cap="none" normalizeH="0" baseline="0" dirty="0" smtClean="0">
+                <a:ln>
+                  <a:noFill/>
+                </a:ln>
+                <a:solidFill>
+                  <a:srgbClr val="000000"/>
+                </a:solidFill>
+                <a:effectLst/>
+                <a:latin typeface="Consolas" panose="020B0609020204030204" pitchFamily="49" charset="0"/>
+                <a:cs typeface="Consolas" panose="020B0609020204030204" pitchFamily="49" charset="0"/>
+              </a:rPr>
+              <a:t>.</a:t>
+            </a:r>
+            <a:r>
+              <a:rPr kumimoji="0" lang="en-US" sz="2400" b="0" i="0" u="none" strike="noStrike" cap="none" normalizeH="0" baseline="0" dirty="0" smtClean="0">
+                <a:ln>
+                  <a:noFill/>
+                </a:ln>
+                <a:solidFill>
+                  <a:srgbClr val="800000"/>
+                </a:solidFill>
+                <a:effectLst/>
+                <a:latin typeface="Consolas" panose="020B0609020204030204" pitchFamily="49" charset="0"/>
+                <a:cs typeface="Consolas" panose="020B0609020204030204" pitchFamily="49" charset="0"/>
+              </a:rPr>
+              <a:t>css</a:t>
+            </a:r>
+            <a:r>
+              <a:rPr kumimoji="0" lang="en-US" sz="2400" b="0" i="0" u="none" strike="noStrike" cap="none" normalizeH="0" baseline="0" dirty="0" smtClean="0">
+                <a:ln>
+                  <a:noFill/>
+                </a:ln>
+                <a:solidFill>
+                  <a:srgbClr val="000000"/>
+                </a:solidFill>
+                <a:effectLst/>
+                <a:latin typeface="Consolas" panose="020B0609020204030204" pitchFamily="49" charset="0"/>
+                <a:cs typeface="Consolas" panose="020B0609020204030204" pitchFamily="49" charset="0"/>
+              </a:rPr>
+              <a:t>({ "border": "1px solid red" });</a:t>
+            </a:r>
+          </a:p>
+          <a:p>
+            <a:pPr marL="0" marR="0" lvl="0" indent="0" algn="l" defTabSz="914400" rtl="0" eaLnBrk="0" fontAlgn="base" latinLnBrk="0" hangingPunct="0">
+              <a:lnSpc>
+                <a:spcPct val="100000"/>
+              </a:lnSpc>
+              <a:spcBef>
+                <a:spcPct val="0"/>
+              </a:spcBef>
+              <a:spcAft>
+                <a:spcPct val="0"/>
+              </a:spcAft>
+              <a:buClrTx/>
+              <a:buSzTx/>
+              <a:buFontTx/>
+              <a:buNone/>
+              <a:tabLst/>
+            </a:pPr>
+            <a:r>
+              <a:rPr kumimoji="0" lang="en-US" sz="2400" b="0" i="0" u="none" strike="noStrike" cap="none" normalizeH="0" baseline="0" dirty="0" smtClean="0">
+                <a:ln>
+                  <a:noFill/>
+                </a:ln>
+                <a:solidFill>
+                  <a:srgbClr val="000000"/>
+                </a:solidFill>
+                <a:effectLst/>
+                <a:latin typeface="Consolas" panose="020B0609020204030204" pitchFamily="49" charset="0"/>
+                <a:cs typeface="Consolas" panose="020B0609020204030204" pitchFamily="49" charset="0"/>
+              </a:rPr>
+              <a:t>         }</a:t>
+            </a:r>
+          </a:p>
+          <a:p>
+            <a:pPr marL="0" marR="0" lvl="0" indent="0" algn="l" defTabSz="914400" rtl="0" eaLnBrk="0" fontAlgn="base" latinLnBrk="0" hangingPunct="0">
+              <a:lnSpc>
+                <a:spcPct val="100000"/>
+              </a:lnSpc>
+              <a:spcBef>
+                <a:spcPct val="0"/>
+              </a:spcBef>
+              <a:spcAft>
+                <a:spcPct val="0"/>
+              </a:spcAft>
+              <a:buClrTx/>
+              <a:buSzTx/>
+              <a:buFontTx/>
+              <a:buNone/>
+              <a:tabLst/>
+            </a:pPr>
+            <a:r>
+              <a:rPr kumimoji="0" lang="en-US" sz="2400" b="0" i="0" u="none" strike="noStrike" cap="none" normalizeH="0" baseline="0" dirty="0" smtClean="0">
+                <a:ln>
+                  <a:noFill/>
+                </a:ln>
+                <a:solidFill>
+                  <a:srgbClr val="000000"/>
+                </a:solidFill>
+                <a:effectLst/>
+                <a:latin typeface="Consolas" panose="020B0609020204030204" pitchFamily="49" charset="0"/>
+                <a:cs typeface="Consolas" panose="020B0609020204030204" pitchFamily="49" charset="0"/>
+              </a:rPr>
+              <a:t>     };</a:t>
+            </a:r>
+          </a:p>
+          <a:p>
+            <a:pPr marL="0" marR="0" lvl="0" indent="0" algn="l" defTabSz="914400" rtl="0" eaLnBrk="0" fontAlgn="base" latinLnBrk="0" hangingPunct="0">
+              <a:lnSpc>
+                <a:spcPct val="100000"/>
+              </a:lnSpc>
+              <a:spcBef>
+                <a:spcPct val="0"/>
+              </a:spcBef>
+              <a:spcAft>
+                <a:spcPct val="0"/>
+              </a:spcAft>
+              <a:buClrTx/>
+              <a:buSzTx/>
+              <a:buFontTx/>
+              <a:buNone/>
+              <a:tabLst/>
+            </a:pPr>
+            <a:r>
+              <a:rPr kumimoji="0" lang="en-US" sz="2400" b="0" i="0" u="none" strike="noStrike" cap="none" normalizeH="0" baseline="0" dirty="0" smtClean="0">
+                <a:ln>
+                  <a:noFill/>
+                </a:ln>
+                <a:solidFill>
+                  <a:srgbClr val="000000"/>
+                </a:solidFill>
+                <a:effectLst/>
+                <a:latin typeface="Consolas" panose="020B0609020204030204" pitchFamily="49" charset="0"/>
+                <a:cs typeface="Consolas" panose="020B0609020204030204" pitchFamily="49" charset="0"/>
+              </a:rPr>
+              <a:t> });</a:t>
+            </a:r>
+            <a:endParaRPr kumimoji="0" lang="en-US" sz="3600" b="0" i="0" u="none" strike="noStrike" cap="none" normalizeH="0" baseline="0" dirty="0" smtClean="0">
+              <a:ln>
+                <a:noFill/>
+              </a:ln>
+              <a:solidFill>
+                <a:schemeClr val="tx1"/>
+              </a:solidFill>
+              <a:effectLst/>
+              <a:latin typeface="Arial" panose="020B0604020202020204" pitchFamily="34" charset="0"/>
+            </a:endParaRPr>
           </a:p>
         </p:txBody>
       </p:sp>
@@ -10568,7 +11643,7 @@
         <p:spPr/>
         <p:txBody>
           <a:bodyPr>
-            <a:normAutofit lnSpcReduction="10000"/>
+            <a:normAutofit/>
           </a:bodyPr>
           <a:lstStyle/>
           <a:p>
@@ -10609,24 +11684,6 @@
               <a:t>Directives</a:t>
             </a:r>
             <a:endParaRPr lang="en-US" dirty="0"/>
-          </a:p>
-          <a:p>
-            <a:r>
-              <a:rPr lang="en-US" dirty="0"/>
-              <a:t>Filters</a:t>
-            </a:r>
-          </a:p>
-          <a:p>
-            <a:r>
-              <a:rPr lang="en-US" dirty="0" smtClean="0"/>
-              <a:t>Expressions</a:t>
-            </a:r>
-          </a:p>
-          <a:p>
-            <a:r>
-              <a:rPr lang="en-US" dirty="0" smtClean="0"/>
-              <a:t>Scope</a:t>
-            </a:r>
           </a:p>
           <a:p>
             <a:endParaRPr lang="en-US" dirty="0"/>
